--- a/trunk/QB/Review/SR_ReviewQuestions_Chap5.pptx
+++ b/trunk/QB/Review/SR_ReviewQuestions_Chap5.pptx
@@ -134,6 +134,36 @@
       </a:defRPr>
     </a:lvl9pPr>
   </p:defaultTextStyle>
+  <p:extLst>
+    <p:ext uri="{EFAFB233-063F-42B5-8137-9DF3F51BA10A}">
+      <p15:sldGuideLst xmlns:p15="http://schemas.microsoft.com/office/powerpoint/2012/main">
+        <p15:guide id="1" orient="horz" pos="2160">
+          <p15:clr>
+            <a:srgbClr val="A4A3A4"/>
+          </p15:clr>
+        </p15:guide>
+        <p15:guide id="2" pos="2880">
+          <p15:clr>
+            <a:srgbClr val="A4A3A4"/>
+          </p15:clr>
+        </p15:guide>
+      </p15:sldGuideLst>
+    </p:ext>
+    <p:ext uri="{2D200454-40CA-4A62-9FC3-DE9A4176ACB9}">
+      <p15:notesGuideLst xmlns:p15="http://schemas.microsoft.com/office/powerpoint/2012/main">
+        <p15:guide id="1" orient="horz" pos="2928">
+          <p15:clr>
+            <a:srgbClr val="A4A3A4"/>
+          </p15:clr>
+        </p15:guide>
+        <p15:guide id="2" pos="2208">
+          <p15:clr>
+            <a:srgbClr val="A4A3A4"/>
+          </p15:clr>
+        </p15:guide>
+      </p15:notesGuideLst>
+    </p:ext>
+  </p:extLst>
 </p:presentation>
 </file>
 
@@ -220,7 +250,7 @@
             <a:fld id="{EA687571-E8B4-4A21-8CC7-68659B0E3E61}" type="datetimeFigureOut">
               <a:rPr lang="en-US" smtClean="0"/>
               <a:pPr/>
-              <a:t>2/19/2013</a:t>
+              <a:t>8/20/2014</a:t>
             </a:fld>
             <a:endParaRPr lang="en-US" dirty="0"/>
           </a:p>
@@ -294,6 +324,11 @@
         </p:txBody>
       </p:sp>
     </p:spTree>
+    <p:extLst>
+      <p:ext uri="{BB962C8B-B14F-4D97-AF65-F5344CB8AC3E}">
+        <p14:creationId xmlns:p14="http://schemas.microsoft.com/office/powerpoint/2010/main" val="910439932"/>
+      </p:ext>
+    </p:extLst>
   </p:cSld>
   <p:clrMap bg1="lt1" tx1="dk1" bg2="lt2" tx2="dk2" accent1="accent1" accent2="accent2" accent3="accent3" accent4="accent4" accent5="accent5" accent6="accent6" hlink="hlink" folHlink="folHlink"/>
 </p:handoutMaster>
@@ -382,7 +417,7 @@
             <a:fld id="{CDA5622F-6802-4ED9-98B1-448FD36C51E4}" type="datetimeFigureOut">
               <a:rPr lang="en-US" smtClean="0"/>
               <a:pPr/>
-              <a:t>2/19/2013</a:t>
+              <a:t>8/20/2014</a:t>
             </a:fld>
             <a:endParaRPr lang="en-US" dirty="0"/>
           </a:p>
@@ -551,6 +586,11 @@
         </p:txBody>
       </p:sp>
     </p:spTree>
+    <p:extLst>
+      <p:ext uri="{BB962C8B-B14F-4D97-AF65-F5344CB8AC3E}">
+        <p14:creationId xmlns:p14="http://schemas.microsoft.com/office/powerpoint/2010/main" val="881829116"/>
+      </p:ext>
+    </p:extLst>
   </p:cSld>
   <p:clrMap bg1="lt1" tx1="dk1" bg2="lt2" tx2="dk2" accent1="accent1" accent2="accent2" accent3="accent3" accent4="accent4" accent5="accent5" accent6="accent6" hlink="hlink" folHlink="folHlink"/>
   <p:notesStyle>
@@ -723,6 +763,11 @@
         </p:txBody>
       </p:sp>
     </p:spTree>
+    <p:extLst>
+      <p:ext uri="{BB962C8B-B14F-4D97-AF65-F5344CB8AC3E}">
+        <p14:creationId xmlns:p14="http://schemas.microsoft.com/office/powerpoint/2010/main" val="3507952747"/>
+      </p:ext>
+    </p:extLst>
   </p:cSld>
   <p:clrMapOvr>
     <a:masterClrMapping/>
@@ -809,6 +854,11 @@
         </p:txBody>
       </p:sp>
     </p:spTree>
+    <p:extLst>
+      <p:ext uri="{BB962C8B-B14F-4D97-AF65-F5344CB8AC3E}">
+        <p14:creationId xmlns:p14="http://schemas.microsoft.com/office/powerpoint/2010/main" val="2491362265"/>
+      </p:ext>
+    </p:extLst>
   </p:cSld>
   <p:clrMapOvr>
     <a:masterClrMapping/>
@@ -895,6 +945,11 @@
         </p:txBody>
       </p:sp>
     </p:spTree>
+    <p:extLst>
+      <p:ext uri="{BB962C8B-B14F-4D97-AF65-F5344CB8AC3E}">
+        <p14:creationId xmlns:p14="http://schemas.microsoft.com/office/powerpoint/2010/main" val="1544634696"/>
+      </p:ext>
+    </p:extLst>
   </p:cSld>
   <p:clrMapOvr>
     <a:masterClrMapping/>
@@ -981,6 +1036,11 @@
         </p:txBody>
       </p:sp>
     </p:spTree>
+    <p:extLst>
+      <p:ext uri="{BB962C8B-B14F-4D97-AF65-F5344CB8AC3E}">
+        <p14:creationId xmlns:p14="http://schemas.microsoft.com/office/powerpoint/2010/main" val="3546140845"/>
+      </p:ext>
+    </p:extLst>
   </p:cSld>
   <p:clrMapOvr>
     <a:masterClrMapping/>
@@ -1067,6 +1127,11 @@
         </p:txBody>
       </p:sp>
     </p:spTree>
+    <p:extLst>
+      <p:ext uri="{BB962C8B-B14F-4D97-AF65-F5344CB8AC3E}">
+        <p14:creationId xmlns:p14="http://schemas.microsoft.com/office/powerpoint/2010/main" val="1352585127"/>
+      </p:ext>
+    </p:extLst>
   </p:cSld>
   <p:clrMapOvr>
     <a:masterClrMapping/>
@@ -1153,6 +1218,11 @@
         </p:txBody>
       </p:sp>
     </p:spTree>
+    <p:extLst>
+      <p:ext uri="{BB962C8B-B14F-4D97-AF65-F5344CB8AC3E}">
+        <p14:creationId xmlns:p14="http://schemas.microsoft.com/office/powerpoint/2010/main" val="401341022"/>
+      </p:ext>
+    </p:extLst>
   </p:cSld>
   <p:clrMapOvr>
     <a:masterClrMapping/>
@@ -1239,6 +1309,11 @@
         </p:txBody>
       </p:sp>
     </p:spTree>
+    <p:extLst>
+      <p:ext uri="{BB962C8B-B14F-4D97-AF65-F5344CB8AC3E}">
+        <p14:creationId xmlns:p14="http://schemas.microsoft.com/office/powerpoint/2010/main" val="2623243289"/>
+      </p:ext>
+    </p:extLst>
   </p:cSld>
   <p:clrMapOvr>
     <a:masterClrMapping/>
@@ -1325,6 +1400,11 @@
         </p:txBody>
       </p:sp>
     </p:spTree>
+    <p:extLst>
+      <p:ext uri="{BB962C8B-B14F-4D97-AF65-F5344CB8AC3E}">
+        <p14:creationId xmlns:p14="http://schemas.microsoft.com/office/powerpoint/2010/main" val="198783021"/>
+      </p:ext>
+    </p:extLst>
   </p:cSld>
   <p:clrMapOvr>
     <a:masterClrMapping/>
@@ -1411,6 +1491,11 @@
         </p:txBody>
       </p:sp>
     </p:spTree>
+    <p:extLst>
+      <p:ext uri="{BB962C8B-B14F-4D97-AF65-F5344CB8AC3E}">
+        <p14:creationId xmlns:p14="http://schemas.microsoft.com/office/powerpoint/2010/main" val="2768200354"/>
+      </p:ext>
+    </p:extLst>
   </p:cSld>
   <p:clrMapOvr>
     <a:masterClrMapping/>
@@ -1497,6 +1582,11 @@
         </p:txBody>
       </p:sp>
     </p:spTree>
+    <p:extLst>
+      <p:ext uri="{BB962C8B-B14F-4D97-AF65-F5344CB8AC3E}">
+        <p14:creationId xmlns:p14="http://schemas.microsoft.com/office/powerpoint/2010/main" val="3090098839"/>
+      </p:ext>
+    </p:extLst>
   </p:cSld>
   <p:clrMapOvr>
     <a:masterClrMapping/>
@@ -1682,7 +1772,7 @@
             <a:fld id="{B549B619-4078-494B-AEFE-67D4E8B86990}" type="datetimeFigureOut">
               <a:rPr lang="en-US" smtClean="0"/>
               <a:pPr/>
-              <a:t>2/19/2013</a:t>
+              <a:t>8/20/2014</a:t>
             </a:fld>
             <a:endParaRPr lang="en-US" dirty="0"/>
           </a:p>
@@ -1969,7 +2059,7 @@
             <a:fld id="{B549B619-4078-494B-AEFE-67D4E8B86990}" type="datetimeFigureOut">
               <a:rPr lang="en-US" smtClean="0"/>
               <a:pPr/>
-              <a:t>2/19/2013</a:t>
+              <a:t>8/20/2014</a:t>
             </a:fld>
             <a:endParaRPr lang="en-US" dirty="0"/>
           </a:p>
@@ -2146,7 +2236,7 @@
             <a:fld id="{B549B619-4078-494B-AEFE-67D4E8B86990}" type="datetimeFigureOut">
               <a:rPr lang="en-US" smtClean="0"/>
               <a:pPr/>
-              <a:t>2/19/2013</a:t>
+              <a:t>8/20/2014</a:t>
             </a:fld>
             <a:endParaRPr lang="en-US" dirty="0"/>
           </a:p>
@@ -2830,7 +2920,7 @@
             <a:fld id="{B549B619-4078-494B-AEFE-67D4E8B86990}" type="datetimeFigureOut">
               <a:rPr lang="en-US" smtClean="0"/>
               <a:pPr/>
-              <a:t>2/19/2013</a:t>
+              <a:t>8/20/2014</a:t>
             </a:fld>
             <a:endParaRPr lang="en-US" dirty="0"/>
           </a:p>
@@ -3115,7 +3205,7 @@
             <a:fld id="{B549B619-4078-494B-AEFE-67D4E8B86990}" type="datetimeFigureOut">
               <a:rPr lang="en-US" smtClean="0"/>
               <a:pPr/>
-              <a:t>2/19/2013</a:t>
+              <a:t>8/20/2014</a:t>
             </a:fld>
             <a:endParaRPr lang="en-US" dirty="0"/>
           </a:p>
@@ -3534,7 +3624,7 @@
             <a:fld id="{B549B619-4078-494B-AEFE-67D4E8B86990}" type="datetimeFigureOut">
               <a:rPr lang="en-US" smtClean="0"/>
               <a:pPr/>
-              <a:t>2/19/2013</a:t>
+              <a:t>8/20/2014</a:t>
             </a:fld>
             <a:endParaRPr lang="en-US" dirty="0"/>
           </a:p>
@@ -3649,7 +3739,7 @@
             <a:fld id="{B549B619-4078-494B-AEFE-67D4E8B86990}" type="datetimeFigureOut">
               <a:rPr lang="en-US" smtClean="0"/>
               <a:pPr/>
-              <a:t>2/19/2013</a:t>
+              <a:t>8/20/2014</a:t>
             </a:fld>
             <a:endParaRPr lang="en-US" dirty="0"/>
           </a:p>
@@ -3741,7 +3831,7 @@
             <a:fld id="{B549B619-4078-494B-AEFE-67D4E8B86990}" type="datetimeFigureOut">
               <a:rPr lang="en-US" smtClean="0"/>
               <a:pPr/>
-              <a:t>2/19/2013</a:t>
+              <a:t>8/20/2014</a:t>
             </a:fld>
             <a:endParaRPr lang="en-US" dirty="0"/>
           </a:p>
@@ -4015,7 +4105,7 @@
             <a:fld id="{B549B619-4078-494B-AEFE-67D4E8B86990}" type="datetimeFigureOut">
               <a:rPr lang="en-US" smtClean="0"/>
               <a:pPr/>
-              <a:t>2/19/2013</a:t>
+              <a:t>8/20/2014</a:t>
             </a:fld>
             <a:endParaRPr lang="en-US" dirty="0"/>
           </a:p>
@@ -4265,7 +4355,7 @@
             <a:fld id="{B549B619-4078-494B-AEFE-67D4E8B86990}" type="datetimeFigureOut">
               <a:rPr lang="en-US" smtClean="0"/>
               <a:pPr/>
-              <a:t>2/19/2013</a:t>
+              <a:t>8/20/2014</a:t>
             </a:fld>
             <a:endParaRPr lang="en-US" dirty="0"/>
           </a:p>
@@ -4481,7 +4571,7 @@
             <a:fld id="{B549B619-4078-494B-AEFE-67D4E8B86990}" type="datetimeFigureOut">
               <a:rPr lang="en-US" smtClean="0"/>
               <a:pPr/>
-              <a:t>2/19/2013</a:t>
+              <a:t>8/20/2014</a:t>
             </a:fld>
             <a:endParaRPr lang="en-US" dirty="0"/>
           </a:p>
@@ -5419,7 +5509,6 @@
               <a:rPr lang="en-US" dirty="0" smtClean="0"/>
               <a:t>WHAT?</a:t>
             </a:r>
-            <a:endParaRPr lang="en-US" dirty="0" smtClean="0"/>
           </a:p>
           <a:p>
             <a:pPr lvl="1"/>
@@ -5427,7 +5516,6 @@
               <a:rPr lang="en-US" dirty="0" smtClean="0"/>
               <a:t>WHO?</a:t>
             </a:r>
-            <a:endParaRPr lang="en-US" dirty="0" smtClean="0"/>
           </a:p>
           <a:p>
             <a:pPr lvl="1"/>
@@ -5435,7 +5523,6 @@
               <a:rPr lang="en-US" dirty="0" smtClean="0"/>
               <a:t>WHEN?</a:t>
             </a:r>
-            <a:endParaRPr lang="en-US" dirty="0" smtClean="0"/>
           </a:p>
           <a:p>
             <a:pPr lvl="1"/>
@@ -5443,7 +5530,6 @@
               <a:rPr lang="en-US" dirty="0" smtClean="0"/>
               <a:t>HOW?</a:t>
             </a:r>
-            <a:endParaRPr lang="en-US" dirty="0" smtClean="0"/>
           </a:p>
           <a:p>
             <a:pPr lvl="1"/>
@@ -5451,7 +5537,6 @@
               <a:rPr lang="en-US" dirty="0" smtClean="0"/>
               <a:t>WHERE?</a:t>
             </a:r>
-            <a:endParaRPr lang="en-US" dirty="0" smtClean="0"/>
           </a:p>
           <a:p>
             <a:endParaRPr lang="en-US" dirty="0"/>
@@ -5583,7 +5668,6 @@
               <a:rPr lang="en-US" dirty="0" smtClean="0"/>
               <a:t>WHAT?</a:t>
             </a:r>
-            <a:endParaRPr lang="en-US" dirty="0" smtClean="0"/>
           </a:p>
           <a:p>
             <a:pPr lvl="1"/>
@@ -5591,7 +5675,6 @@
               <a:rPr lang="en-US" dirty="0" smtClean="0"/>
               <a:t>WHO?</a:t>
             </a:r>
-            <a:endParaRPr lang="en-US" dirty="0" smtClean="0"/>
           </a:p>
           <a:p>
             <a:pPr lvl="1"/>
@@ -5599,7 +5682,6 @@
               <a:rPr lang="en-US" dirty="0" smtClean="0"/>
               <a:t>WHEN?</a:t>
             </a:r>
-            <a:endParaRPr lang="en-US" dirty="0" smtClean="0"/>
           </a:p>
           <a:p>
             <a:pPr lvl="1"/>
@@ -5607,7 +5689,6 @@
               <a:rPr lang="en-US" dirty="0" smtClean="0"/>
               <a:t>HOW?</a:t>
             </a:r>
-            <a:endParaRPr lang="en-US" dirty="0" smtClean="0"/>
           </a:p>
           <a:p>
             <a:pPr lvl="1"/>
@@ -5615,7 +5696,6 @@
               <a:rPr lang="en-US" dirty="0" smtClean="0"/>
               <a:t>WHERE?</a:t>
             </a:r>
-            <a:endParaRPr lang="en-US" dirty="0" smtClean="0"/>
           </a:p>
           <a:p>
             <a:endParaRPr lang="en-US" dirty="0"/>
@@ -6686,18 +6766,11 @@
             </a:pPr>
             <a:r>
               <a:rPr lang="en-US" dirty="0" smtClean="0"/>
-              <a:t>Are there definitions summarized in the glossary of terms?</a:t>
-            </a:r>
-          </a:p>
-          <a:p>
-            <a:pPr lvl="1">
-              <a:lnSpc>
-                <a:spcPct val="100000"/>
-              </a:lnSpc>
-            </a:pPr>
-            <a:r>
-              <a:rPr lang="en-US" dirty="0" smtClean="0"/>
-              <a:t>Is this statement consistent with the system objectives and constraints?</a:t>
+              <a:t>Is </a:t>
+            </a:r>
+            <a:r>
+              <a:rPr lang="en-US" dirty="0" smtClean="0"/>
+              <a:t>this statement consistent with the system objectives and constraints?</a:t>
             </a:r>
           </a:p>
           <a:p>
@@ -6765,7 +6838,7 @@
         <p:spPr/>
         <p:txBody>
           <a:bodyPr>
-            <a:normAutofit fontScale="92500"/>
+            <a:normAutofit lnSpcReduction="10000"/>
           </a:bodyPr>
           <a:lstStyle/>
           <a:p>
@@ -6782,18 +6855,11 @@
             </a:pPr>
             <a:r>
               <a:rPr lang="en-US" dirty="0" smtClean="0"/>
-              <a:t>Is there a fit criterion associated with this quality requirement?</a:t>
-            </a:r>
-          </a:p>
-          <a:p>
-            <a:pPr lvl="1">
-              <a:lnSpc>
-                <a:spcPct val="100000"/>
-              </a:lnSpc>
-            </a:pPr>
-            <a:r>
-              <a:rPr lang="en-US" dirty="0" smtClean="0"/>
-              <a:t>Is this fit criterion stated in terms of measurable quantities and measurement protocol?</a:t>
+              <a:t>Is </a:t>
+            </a:r>
+            <a:r>
+              <a:rPr lang="en-US" dirty="0" smtClean="0"/>
+              <a:t>this fit criterion stated in terms of measurable quantities and measurement protocol?</a:t>
             </a:r>
           </a:p>
           <a:p>
